--- a/DDD2016-Composition.pptx
+++ b/DDD2016-Composition.pptx
@@ -112,6 +112,11 @@
       </a:defRPr>
     </a:lvl9pPr>
   </p:defaultTextStyle>
+  <p:extLst>
+    <p:ext uri="{EFAFB233-063F-42B5-8137-9DF3F51BA10A}">
+      <p15:sldGuideLst xmlns:p15="http://schemas.microsoft.com/office/powerpoint/2012/main"/>
+    </p:ext>
+  </p:extLst>
 </p:presentation>
 </file>
 
@@ -312,7 +317,7 @@
             <a:fld id="{96DFF08F-DC6B-4601-B491-B0F83F6DD2DA}" type="datetimeFigureOut">
               <a:rPr lang="en-US" dirty="0"/>
               <a:pPr/>
-              <a:t>10/25/2016</a:t>
+              <a:t>10/28/2016</a:t>
             </a:fld>
             <a:endParaRPr lang="en-US" dirty="0"/>
           </a:p>
@@ -529,7 +534,7 @@
           <a:p>
             <a:fld id="{96DFF08F-DC6B-4601-B491-B0F83F6DD2DA}" type="datetimeFigureOut">
               <a:rPr lang="en-US" dirty="0"/>
-              <a:t>10/25/2016</a:t>
+              <a:t>10/28/2016</a:t>
             </a:fld>
             <a:endParaRPr lang="en-US" dirty="0"/>
           </a:p>
@@ -704,7 +709,7 @@
           <a:p>
             <a:fld id="{96DFF08F-DC6B-4601-B491-B0F83F6DD2DA}" type="datetimeFigureOut">
               <a:rPr lang="en-US" dirty="0"/>
-              <a:t>10/25/2016</a:t>
+              <a:t>10/28/2016</a:t>
             </a:fld>
             <a:endParaRPr lang="en-US" dirty="0"/>
           </a:p>
@@ -869,7 +874,7 @@
           <a:p>
             <a:fld id="{96DFF08F-DC6B-4601-B491-B0F83F6DD2DA}" type="datetimeFigureOut">
               <a:rPr lang="en-US" dirty="0"/>
-              <a:t>10/25/2016</a:t>
+              <a:t>10/28/2016</a:t>
             </a:fld>
             <a:endParaRPr lang="en-US" dirty="0"/>
           </a:p>
@@ -1115,7 +1120,7 @@
           <a:p>
             <a:fld id="{96DFF08F-DC6B-4601-B491-B0F83F6DD2DA}" type="datetimeFigureOut">
               <a:rPr lang="en-US" dirty="0"/>
-              <a:t>10/25/2016</a:t>
+              <a:t>10/28/2016</a:t>
             </a:fld>
             <a:endParaRPr lang="en-US" dirty="0"/>
           </a:p>
@@ -1433,7 +1438,7 @@
           <a:p>
             <a:fld id="{96DFF08F-DC6B-4601-B491-B0F83F6DD2DA}" type="datetimeFigureOut">
               <a:rPr lang="en-US" dirty="0"/>
-              <a:t>10/25/2016</a:t>
+              <a:t>10/28/2016</a:t>
             </a:fld>
             <a:endParaRPr lang="en-US" dirty="0"/>
           </a:p>
@@ -1852,7 +1857,7 @@
           <a:p>
             <a:fld id="{96DFF08F-DC6B-4601-B491-B0F83F6DD2DA}" type="datetimeFigureOut">
               <a:rPr lang="en-US" dirty="0"/>
-              <a:t>10/25/2016</a:t>
+              <a:t>10/28/2016</a:t>
             </a:fld>
             <a:endParaRPr lang="en-US" dirty="0"/>
           </a:p>
@@ -1965,7 +1970,7 @@
           <a:p>
             <a:fld id="{96DFF08F-DC6B-4601-B491-B0F83F6DD2DA}" type="datetimeFigureOut">
               <a:rPr lang="en-US" dirty="0"/>
-              <a:t>10/25/2016</a:t>
+              <a:t>10/28/2016</a:t>
             </a:fld>
             <a:endParaRPr lang="en-US" dirty="0"/>
           </a:p>
@@ -2055,7 +2060,7 @@
           <a:p>
             <a:fld id="{96DFF08F-DC6B-4601-B491-B0F83F6DD2DA}" type="datetimeFigureOut">
               <a:rPr lang="en-US" dirty="0"/>
-              <a:t>10/25/2016</a:t>
+              <a:t>10/28/2016</a:t>
             </a:fld>
             <a:endParaRPr lang="en-US" dirty="0"/>
           </a:p>
@@ -2340,7 +2345,7 @@
           <a:p>
             <a:fld id="{96DFF08F-DC6B-4601-B491-B0F83F6DD2DA}" type="datetimeFigureOut">
               <a:rPr lang="en-US" dirty="0"/>
-              <a:t>10/25/2016</a:t>
+              <a:t>10/28/2016</a:t>
             </a:fld>
             <a:endParaRPr lang="en-US" dirty="0"/>
           </a:p>
@@ -2607,7 +2612,7 @@
           <a:p>
             <a:fld id="{96DFF08F-DC6B-4601-B491-B0F83F6DD2DA}" type="datetimeFigureOut">
               <a:rPr lang="en-US" dirty="0"/>
-              <a:t>10/25/2016</a:t>
+              <a:t>10/28/2016</a:t>
             </a:fld>
             <a:endParaRPr lang="en-US" dirty="0"/>
           </a:p>
@@ -2856,7 +2861,7 @@
             <a:fld id="{96DFF08F-DC6B-4601-B491-B0F83F6DD2DA}" type="datetimeFigureOut">
               <a:rPr lang="en-US" dirty="0"/>
               <a:pPr/>
-              <a:t>10/25/2016</a:t>
+              <a:t>10/28/2016</a:t>
             </a:fld>
             <a:endParaRPr lang="en-US" dirty="0"/>
           </a:p>
@@ -3313,6 +3318,169 @@
           <a:chExt cx="0" cy="0"/>
         </a:xfrm>
       </p:grpSpPr>
+      <p:sp useBgFill="1">
+        <p:nvSpPr>
+          <p:cNvPr id="6" name="Rectangle 5"/>
+          <p:cNvSpPr>
+            <a:spLocks noGrp="1" noRot="1" noChangeAspect="1" noMove="1" noResize="1" noEditPoints="1" noAdjustHandles="1" noChangeArrowheads="1" noChangeShapeType="1" noTextEdit="1"/>
+          </p:cNvSpPr>
+          <p:nvPr>
+            <p:extLst>
+              <p:ext uri="{386F3935-93C4-4BCD-93E2-E3B085C9AB24}">
+                <p16:designElem xmlns:p16="http://schemas.microsoft.com/office/powerpoint/2015/main" val="1"/>
+              </p:ext>
+            </p:extLst>
+          </p:nvPr>
+        </p:nvSpPr>
+        <p:spPr>
+          <a:xfrm>
+            <a:off x="0" y="0"/>
+            <a:ext cx="12192000" cy="6858000"/>
+          </a:xfrm>
+          <a:prstGeom prst="rect">
+            <a:avLst/>
+          </a:prstGeom>
+          <a:ln>
+            <a:noFill/>
+          </a:ln>
+        </p:spPr>
+        <p:style>
+          <a:lnRef idx="2">
+            <a:schemeClr val="accent1">
+              <a:shade val="50000"/>
+            </a:schemeClr>
+          </a:lnRef>
+          <a:fillRef idx="1">
+            <a:schemeClr val="accent1"/>
+          </a:fillRef>
+          <a:effectRef idx="0">
+            <a:schemeClr val="accent1"/>
+          </a:effectRef>
+          <a:fontRef idx="minor">
+            <a:schemeClr val="lt1"/>
+          </a:fontRef>
+        </p:style>
+        <p:txBody>
+          <a:bodyPr rtlCol="0" anchor="ctr"/>
+          <a:lstStyle/>
+          <a:p>
+            <a:pPr algn="ctr"/>
+            <a:endParaRPr lang="en-US"/>
+          </a:p>
+        </p:txBody>
+      </p:sp>
+      <p:sp>
+        <p:nvSpPr>
+          <p:cNvPr id="7" name="Rectangle 6"/>
+          <p:cNvSpPr>
+            <a:spLocks noGrp="1" noRot="1" noChangeAspect="1" noMove="1" noResize="1" noEditPoints="1" noAdjustHandles="1" noChangeArrowheads="1" noChangeShapeType="1" noTextEdit="1"/>
+          </p:cNvSpPr>
+          <p:nvPr>
+            <p:extLst>
+              <p:ext uri="{386F3935-93C4-4BCD-93E2-E3B085C9AB24}">
+                <p16:designElem xmlns:p16="http://schemas.microsoft.com/office/powerpoint/2015/main" val="1"/>
+              </p:ext>
+            </p:extLst>
+          </p:nvPr>
+        </p:nvSpPr>
+        <p:spPr>
+          <a:xfrm>
+            <a:off x="243840" y="256540"/>
+            <a:ext cx="11704320" cy="6365239"/>
+          </a:xfrm>
+          <a:prstGeom prst="rect">
+            <a:avLst/>
+          </a:prstGeom>
+          <a:solidFill>
+            <a:schemeClr val="tx1"/>
+          </a:solidFill>
+          <a:ln w="12700">
+            <a:noFill/>
+          </a:ln>
+        </p:spPr>
+        <p:style>
+          <a:lnRef idx="2">
+            <a:schemeClr val="accent1">
+              <a:shade val="50000"/>
+            </a:schemeClr>
+          </a:lnRef>
+          <a:fillRef idx="1">
+            <a:schemeClr val="accent1"/>
+          </a:fillRef>
+          <a:effectRef idx="0">
+            <a:schemeClr val="accent1"/>
+          </a:effectRef>
+          <a:fontRef idx="minor">
+            <a:schemeClr val="lt1"/>
+          </a:fontRef>
+        </p:style>
+      </p:sp>
+      <p:cxnSp>
+        <p:nvCxnSpPr>
+          <p:cNvPr id="8" name="Straight Connector 7"/>
+          <p:cNvCxnSpPr>
+            <a:cxnSpLocks noGrp="1" noRot="1" noChangeAspect="1" noMove="1" noResize="1" noEditPoints="1" noAdjustHandles="1" noChangeArrowheads="1" noChangeShapeType="1"/>
+          </p:cNvCxnSpPr>
+          <p:nvPr>
+            <p:extLst>
+              <p:ext uri="{386F3935-93C4-4BCD-93E2-E3B085C9AB24}">
+                <p16:designElem xmlns:p16="http://schemas.microsoft.com/office/powerpoint/2015/main" val="1"/>
+              </p:ext>
+            </p:extLst>
+          </p:nvPr>
+        </p:nvCxnSpPr>
+        <p:spPr>
+          <a:xfrm>
+            <a:off x="2438400" y="5597106"/>
+            <a:ext cx="7315200" cy="0"/>
+          </a:xfrm>
+          <a:prstGeom prst="line">
+            <a:avLst/>
+          </a:prstGeom>
+          <a:ln>
+            <a:solidFill>
+              <a:schemeClr val="bg1"/>
+            </a:solidFill>
+          </a:ln>
+        </p:spPr>
+        <p:style>
+          <a:lnRef idx="1">
+            <a:schemeClr val="accent1"/>
+          </a:lnRef>
+          <a:fillRef idx="0">
+            <a:schemeClr val="accent1"/>
+          </a:fillRef>
+          <a:effectRef idx="0">
+            <a:schemeClr val="accent1"/>
+          </a:effectRef>
+          <a:fontRef idx="minor">
+            <a:schemeClr val="tx1"/>
+          </a:fontRef>
+        </p:style>
+      </p:cxnSp>
+      <p:pic>
+        <p:nvPicPr>
+          <p:cNvPr id="4" name="Picture 3"/>
+          <p:cNvPicPr>
+            <a:picLocks noChangeAspect="1"/>
+          </p:cNvPicPr>
+          <p:nvPr/>
+        </p:nvPicPr>
+        <p:blipFill rotWithShape="1">
+          <a:blip r:embed="rId2"/>
+          <a:srcRect t="21708" r="1" b="15231"/>
+          <a:stretch/>
+        </p:blipFill>
+        <p:spPr>
+          <a:xfrm>
+            <a:off x="243840" y="256540"/>
+            <a:ext cx="11704320" cy="3764276"/>
+          </a:xfrm>
+          <a:prstGeom prst="rect">
+            <a:avLst/>
+          </a:prstGeom>
+        </p:spPr>
+      </p:pic>
       <p:sp>
         <p:nvSpPr>
           <p:cNvPr id="2" name="Title 1"/>
@@ -3323,15 +3491,38 @@
             <p:ph type="ctrTitle"/>
           </p:nvPr>
         </p:nvSpPr>
-        <p:spPr/>
-        <p:txBody>
-          <a:bodyPr/>
-          <a:lstStyle/>
-          <a:p>
-            <a:r>
-              <a:rPr lang="en-US" dirty="0"/>
+        <p:spPr>
+          <a:xfrm>
+            <a:off x="1109980" y="4208777"/>
+            <a:ext cx="9966960" cy="1319750"/>
+          </a:xfrm>
+        </p:spPr>
+        <p:txBody>
+          <a:bodyPr>
+            <a:normAutofit/>
+          </a:bodyPr>
+          <a:lstStyle/>
+          <a:p>
+            <a:r>
+              <a:rPr lang="en-US" sz="4400" dirty="0">
+                <a:solidFill>
+                  <a:schemeClr val="bg1"/>
+                </a:solidFill>
+              </a:rPr>
               <a:t>UWP Composition</a:t>
             </a:r>
+            <a:br>
+              <a:rPr lang="en-US" sz="4400" dirty="0">
+                <a:solidFill>
+                  <a:schemeClr val="bg1"/>
+                </a:solidFill>
+              </a:rPr>
+            </a:br>
+            <a:endParaRPr lang="en-US" sz="4400" dirty="0">
+              <a:solidFill>
+                <a:schemeClr val="bg1"/>
+              </a:solidFill>
+            </a:endParaRPr>
           </a:p>
         </p:txBody>
       </p:sp>
@@ -3345,26 +3536,59 @@
             <p:ph type="subTitle" idx="1"/>
           </p:nvPr>
         </p:nvSpPr>
-        <p:spPr/>
-        <p:txBody>
-          <a:bodyPr/>
-          <a:lstStyle/>
-          <a:p>
-            <a:r>
-              <a:rPr lang="en-US" dirty="0"/>
+        <p:spPr>
+          <a:xfrm>
+            <a:off x="1709530" y="5154247"/>
+            <a:ext cx="8767860" cy="442859"/>
+          </a:xfrm>
+        </p:spPr>
+        <p:txBody>
+          <a:bodyPr>
+            <a:noAutofit/>
+          </a:bodyPr>
+          <a:lstStyle/>
+          <a:p>
+            <a:pPr>
+              <a:lnSpc>
+                <a:spcPct val="70000"/>
+              </a:lnSpc>
+            </a:pPr>
+            <a:r>
+              <a:rPr lang="en-US" sz="2400" dirty="0">
+                <a:solidFill>
+                  <a:schemeClr val="bg1"/>
+                </a:solidFill>
+              </a:rPr>
               <a:t>Daren May – CRANK211</a:t>
             </a:r>
           </a:p>
           <a:p>
-            <a:r>
-              <a:rPr lang="en-US" dirty="0"/>
+            <a:pPr>
+              <a:lnSpc>
+                <a:spcPct val="70000"/>
+              </a:lnSpc>
+            </a:pPr>
+            <a:r>
+              <a:rPr lang="en-US" sz="2400" dirty="0">
+                <a:solidFill>
+                  <a:schemeClr val="bg1"/>
+                </a:solidFill>
+              </a:rPr>
               <a:t>@</a:t>
             </a:r>
             <a:r>
-              <a:rPr lang="en-US" dirty="0" err="1"/>
+              <a:rPr lang="en-US" sz="2400" dirty="0" err="1">
+                <a:solidFill>
+                  <a:schemeClr val="bg1"/>
+                </a:solidFill>
+              </a:rPr>
               <a:t>darenmay</a:t>
             </a:r>
-            <a:endParaRPr lang="en-US" dirty="0"/>
+            <a:endParaRPr lang="en-US" sz="2400" dirty="0">
+              <a:solidFill>
+                <a:schemeClr val="bg1"/>
+              </a:solidFill>
+            </a:endParaRPr>
           </a:p>
         </p:txBody>
       </p:sp>
@@ -3415,7 +3639,15 @@
           <a:p>
             <a:r>
               <a:rPr lang="en-US" dirty="0"/>
-              <a:t>Old vs. new</a:t>
+              <a:t>Old </a:t>
+            </a:r>
+            <a:r>
+              <a:rPr lang="en-US" sz="4000" dirty="0"/>
+              <a:t>vs.</a:t>
+            </a:r>
+            <a:r>
+              <a:rPr lang="en-US" dirty="0"/>
+              <a:t> new</a:t>
             </a:r>
           </a:p>
         </p:txBody>
@@ -4046,7 +4278,7 @@
           <a:p>
             <a:r>
               <a:rPr lang="en-US" dirty="0"/>
-              <a:t>Visuals – foundational concept</a:t>
+              <a:t>Visuals – foundational concepts</a:t>
             </a:r>
           </a:p>
         </p:txBody>
@@ -4106,7 +4338,6 @@
               <a:rPr lang="en-US" dirty="0"/>
               <a:t>, so can have Children, however it can host it’s own content via a Brush.</a:t>
             </a:r>
-            <a:endParaRPr lang="en-US" dirty="0"/>
           </a:p>
         </p:txBody>
       </p:sp>
